--- a/09_effective_presentations.pptx
+++ b/09_effective_presentations.pptx
@@ -3583,7 +3583,7 @@
         <p:spPr>
           <a:xfrm>
             <a:off x="0" y="6560280"/>
-            <a:ext cx="12188880" cy="294480"/>
+            <a:ext cx="12188520" cy="294120"/>
           </a:xfrm>
           <a:prstGeom prst="rect">
             <a:avLst/>
@@ -3619,7 +3619,7 @@
         <p:spPr>
           <a:xfrm>
             <a:off x="0" y="0"/>
-            <a:ext cx="12188880" cy="618840"/>
+            <a:ext cx="12188520" cy="618480"/>
           </a:xfrm>
           <a:prstGeom prst="rect">
             <a:avLst/>
@@ -3655,7 +3655,7 @@
         <p:spPr>
           <a:xfrm>
             <a:off x="783000" y="60120"/>
-            <a:ext cx="6590520" cy="501120"/>
+            <a:ext cx="6590160" cy="500760"/>
           </a:xfrm>
           <a:prstGeom prst="rect">
             <a:avLst/>
@@ -3685,7 +3685,7 @@
         <p:spPr>
           <a:xfrm>
             <a:off x="11450880" y="6592320"/>
-            <a:ext cx="647640" cy="230400"/>
+            <a:ext cx="647280" cy="230040"/>
           </a:xfrm>
           <a:prstGeom prst="rect">
             <a:avLst/>
@@ -4014,7 +4014,7 @@
         <p:spPr>
           <a:xfrm>
             <a:off x="0" y="6560280"/>
-            <a:ext cx="12188880" cy="294480"/>
+            <a:ext cx="12188520" cy="294120"/>
           </a:xfrm>
           <a:prstGeom prst="rect">
             <a:avLst/>
@@ -4050,7 +4050,7 @@
         <p:spPr>
           <a:xfrm>
             <a:off x="0" y="0"/>
-            <a:ext cx="12188880" cy="618840"/>
+            <a:ext cx="12188520" cy="618480"/>
           </a:xfrm>
           <a:prstGeom prst="rect">
             <a:avLst/>
@@ -4086,7 +4086,7 @@
         <p:spPr>
           <a:xfrm>
             <a:off x="783000" y="60120"/>
-            <a:ext cx="6590520" cy="501120"/>
+            <a:ext cx="6590160" cy="500760"/>
           </a:xfrm>
           <a:prstGeom prst="rect">
             <a:avLst/>
@@ -4116,7 +4116,7 @@
         <p:spPr>
           <a:xfrm>
             <a:off x="11450880" y="6592320"/>
-            <a:ext cx="647640" cy="230400"/>
+            <a:ext cx="647280" cy="230040"/>
           </a:xfrm>
           <a:prstGeom prst="rect">
             <a:avLst/>
@@ -4442,7 +4442,7 @@
         <p:spPr>
           <a:xfrm>
             <a:off x="695160" y="3054600"/>
-            <a:ext cx="8903160" cy="492120"/>
+            <a:ext cx="8902800" cy="491760"/>
           </a:xfrm>
           <a:prstGeom prst="rect">
             <a:avLst/>
@@ -4454,17 +4454,17 @@
         </p:spPr>
         <p:txBody>
           <a:bodyPr lIns="0" rIns="0" tIns="0" bIns="0" anchor="ctr">
-            <a:normAutofit fontScale="72000"/>
-          </a:bodyPr>
-          <a:p>
-            <a:pPr>
-              <a:lnSpc>
-                <a:spcPct val="100000"/>
-              </a:lnSpc>
-              <a:buNone/>
-            </a:pPr>
-            <a:r>
-              <a:rPr b="0" lang="en-US" sz="4400" spc="-1" strike="noStrike" u="sng">
+            <a:normAutofit fontScale="89000"/>
+          </a:bodyPr>
+          <a:p>
+            <a:pPr>
+              <a:lnSpc>
+                <a:spcPct val="100000"/>
+              </a:lnSpc>
+              <a:buNone/>
+            </a:pPr>
+            <a:r>
+              <a:rPr b="0" lang="en-US" sz="3600" spc="-1" strike="noStrike" u="sng">
                 <a:solidFill>
                   <a:srgbClr val="000000"/>
                 </a:solidFill>
@@ -4473,7 +4473,7 @@
               </a:rPr>
               <a:t>Suggestions for an Effective Presentation</a:t>
             </a:r>
-            <a:endParaRPr b="0" lang="en-US" sz="4400" spc="-1" strike="noStrike">
+            <a:endParaRPr b="0" lang="en-US" sz="3600" spc="-1" strike="noStrike">
               <a:latin typeface="Arial"/>
             </a:endParaRPr>
           </a:p>
@@ -4518,7 +4518,7 @@
         <p:spPr>
           <a:xfrm>
             <a:off x="428760" y="71640"/>
-            <a:ext cx="10085400" cy="539640"/>
+            <a:ext cx="10085040" cy="539280"/>
           </a:xfrm>
           <a:prstGeom prst="rect">
             <a:avLst/>
@@ -4555,10 +4555,7 @@
               </a:rPr>
               <a:t>Suggestions on Delivery</a:t>
             </a:r>
-            <a:endParaRPr b="1" lang="en-US" sz="2400" spc="-1" strike="noStrike">
-              <a:solidFill>
-                <a:srgbClr val="ffffff"/>
-              </a:solidFill>
+            <a:endParaRPr b="0" lang="en-US" sz="2400" spc="-1" strike="noStrike">
               <a:latin typeface="Arial"/>
             </a:endParaRPr>
           </a:p>
@@ -4573,7 +4570,7 @@
         <p:spPr>
           <a:xfrm>
             <a:off x="457200" y="2057400"/>
-            <a:ext cx="4340880" cy="343800"/>
+            <a:ext cx="4340520" cy="343440"/>
           </a:xfrm>
           <a:prstGeom prst="rect">
             <a:avLst/>
@@ -4599,7 +4596,7 @@
         <p:spPr>
           <a:xfrm>
             <a:off x="457200" y="1277640"/>
-            <a:ext cx="10513080" cy="3486240"/>
+            <a:ext cx="10512720" cy="3485880"/>
           </a:xfrm>
           <a:prstGeom prst="rect">
             <a:avLst/>
@@ -4634,17 +4631,7 @@
                 <a:latin typeface="Arial"/>
                 <a:ea typeface="DejaVu Sans"/>
               </a:rPr>
-              <a:t>&gt; </a:t>
-            </a:r>
-            <a:r>
-              <a:rPr b="0" lang="en-US" sz="2400" spc="-1" strike="noStrike">
-                <a:solidFill>
-                  <a:srgbClr val="000000"/>
-                </a:solidFill>
-                <a:latin typeface="Arial"/>
-                <a:ea typeface="DejaVu Sans"/>
-              </a:rPr>
-              <a:t>Be sure to practice!</a:t>
+              <a:t>&gt; Be sure to practice!</a:t>
             </a:r>
             <a:endParaRPr b="0" lang="en-US" sz="2400" spc="-1" strike="noStrike">
               <a:latin typeface="Arial"/>
@@ -4863,7 +4850,7 @@
         <p:spPr>
           <a:xfrm>
             <a:off x="428760" y="71640"/>
-            <a:ext cx="6427800" cy="539640"/>
+            <a:ext cx="6427440" cy="539280"/>
           </a:xfrm>
           <a:prstGeom prst="rect">
             <a:avLst/>
@@ -4900,7 +4887,7 @@
               </a:rPr>
               <a:t>Objective</a:t>
             </a:r>
-            <a:endParaRPr b="1" lang="en-US" sz="3200" spc="-1" strike="noStrike">
+            <a:endParaRPr b="0" lang="en-US" sz="3200" spc="-1" strike="noStrike">
               <a:latin typeface="Arial"/>
             </a:endParaRPr>
           </a:p>
@@ -4915,7 +4902,7 @@
         <p:spPr>
           <a:xfrm>
             <a:off x="457200" y="2057400"/>
-            <a:ext cx="4340880" cy="343800"/>
+            <a:ext cx="4340520" cy="343440"/>
           </a:xfrm>
           <a:prstGeom prst="rect">
             <a:avLst/>
@@ -4941,7 +4928,7 @@
         <p:spPr>
           <a:xfrm>
             <a:off x="457200" y="1673640"/>
-            <a:ext cx="10513080" cy="3486240"/>
+            <a:ext cx="10512720" cy="3485880"/>
           </a:xfrm>
           <a:prstGeom prst="rect">
             <a:avLst/>
@@ -4976,7 +4963,7 @@
                 <a:latin typeface="Arial"/>
                 <a:ea typeface="DejaVu Sans"/>
               </a:rPr>
-              <a:t>Discuss the elements that should be in the end-of-semester presentation</a:t>
+              <a:t>Discuss elements that should be in end-of-semester presentation</a:t>
             </a:r>
             <a:endParaRPr b="0" lang="en-US" sz="2400" spc="-1" strike="noStrike">
               <a:latin typeface="Arial"/>
@@ -5098,7 +5085,7 @@
         <p:spPr>
           <a:xfrm>
             <a:off x="428760" y="71640"/>
-            <a:ext cx="6427800" cy="539640"/>
+            <a:ext cx="6427440" cy="539280"/>
           </a:xfrm>
           <a:prstGeom prst="rect">
             <a:avLst/>
@@ -5135,7 +5122,7 @@
               </a:rPr>
               <a:t>Stakeholders</a:t>
             </a:r>
-            <a:endParaRPr b="1" lang="en-US" sz="3200" spc="-1" strike="noStrike">
+            <a:endParaRPr b="0" lang="en-US" sz="3200" spc="-1" strike="noStrike">
               <a:latin typeface="Arial"/>
             </a:endParaRPr>
           </a:p>
@@ -5150,7 +5137,7 @@
         <p:spPr>
           <a:xfrm>
             <a:off x="457200" y="2057400"/>
-            <a:ext cx="4340880" cy="343800"/>
+            <a:ext cx="4340520" cy="343440"/>
           </a:xfrm>
           <a:prstGeom prst="rect">
             <a:avLst/>
@@ -5176,7 +5163,7 @@
         <p:spPr>
           <a:xfrm>
             <a:off x="457200" y="1673640"/>
-            <a:ext cx="10513080" cy="3486240"/>
+            <a:ext cx="10512720" cy="3485880"/>
           </a:xfrm>
           <a:prstGeom prst="rect">
             <a:avLst/>
@@ -5365,7 +5352,7 @@
         <p:spPr>
           <a:xfrm>
             <a:off x="428760" y="71640"/>
-            <a:ext cx="10085400" cy="539640"/>
+            <a:ext cx="10085040" cy="539280"/>
           </a:xfrm>
           <a:prstGeom prst="rect">
             <a:avLst/>
@@ -5402,7 +5389,7 @@
               </a:rPr>
               <a:t>Table of Contents</a:t>
             </a:r>
-            <a:endParaRPr b="1" lang="en-US" sz="3200" spc="-1" strike="noStrike">
+            <a:endParaRPr b="0" lang="en-US" sz="3200" spc="-1" strike="noStrike">
               <a:latin typeface="Arial"/>
             </a:endParaRPr>
           </a:p>
@@ -5417,7 +5404,7 @@
         <p:spPr>
           <a:xfrm>
             <a:off x="457200" y="2057400"/>
-            <a:ext cx="4340880" cy="343800"/>
+            <a:ext cx="4340520" cy="343440"/>
           </a:xfrm>
           <a:prstGeom prst="rect">
             <a:avLst/>
@@ -5443,7 +5430,7 @@
         <p:spPr>
           <a:xfrm>
             <a:off x="457200" y="1277640"/>
-            <a:ext cx="10513080" cy="3486240"/>
+            <a:ext cx="10512720" cy="3485880"/>
           </a:xfrm>
           <a:prstGeom prst="rect">
             <a:avLst/>
@@ -5748,7 +5735,7 @@
         <p:spPr>
           <a:xfrm>
             <a:off x="428760" y="71640"/>
-            <a:ext cx="10085400" cy="539640"/>
+            <a:ext cx="10085040" cy="539280"/>
           </a:xfrm>
           <a:prstGeom prst="rect">
             <a:avLst/>
@@ -5785,10 +5772,7 @@
               </a:rPr>
               <a:t>Project purpose and background</a:t>
             </a:r>
-            <a:endParaRPr b="1" lang="en-US" sz="2400" spc="-1" strike="noStrike">
-              <a:solidFill>
-                <a:srgbClr val="ffffff"/>
-              </a:solidFill>
+            <a:endParaRPr b="0" lang="en-US" sz="2400" spc="-1" strike="noStrike">
               <a:latin typeface="Arial"/>
             </a:endParaRPr>
           </a:p>
@@ -5803,7 +5787,7 @@
         <p:spPr>
           <a:xfrm>
             <a:off x="457200" y="2057400"/>
-            <a:ext cx="4340880" cy="343800"/>
+            <a:ext cx="4340520" cy="343440"/>
           </a:xfrm>
           <a:prstGeom prst="rect">
             <a:avLst/>
@@ -5829,7 +5813,7 @@
         <p:spPr>
           <a:xfrm>
             <a:off x="457200" y="1277640"/>
-            <a:ext cx="10513080" cy="3486240"/>
+            <a:ext cx="10512720" cy="3485880"/>
           </a:xfrm>
           <a:prstGeom prst="rect">
             <a:avLst/>
@@ -6017,7 +6001,7 @@
         <p:spPr>
           <a:xfrm>
             <a:off x="428760" y="71640"/>
-            <a:ext cx="10085400" cy="539640"/>
+            <a:ext cx="10085040" cy="539280"/>
           </a:xfrm>
           <a:prstGeom prst="rect">
             <a:avLst/>
@@ -6054,10 +6038,7 @@
               </a:rPr>
               <a:t>Data Discussion</a:t>
             </a:r>
-            <a:endParaRPr b="1" lang="en-US" sz="2400" spc="-1" strike="noStrike">
-              <a:solidFill>
-                <a:srgbClr val="ffffff"/>
-              </a:solidFill>
+            <a:endParaRPr b="0" lang="en-US" sz="2400" spc="-1" strike="noStrike">
               <a:latin typeface="Arial"/>
             </a:endParaRPr>
           </a:p>
@@ -6072,7 +6053,7 @@
         <p:spPr>
           <a:xfrm>
             <a:off x="457200" y="2057400"/>
-            <a:ext cx="4340880" cy="343800"/>
+            <a:ext cx="4340520" cy="343440"/>
           </a:xfrm>
           <a:prstGeom prst="rect">
             <a:avLst/>
@@ -6098,7 +6079,7 @@
         <p:spPr>
           <a:xfrm>
             <a:off x="457200" y="1277640"/>
-            <a:ext cx="10513080" cy="3486240"/>
+            <a:ext cx="10512720" cy="3485880"/>
           </a:xfrm>
           <a:prstGeom prst="rect">
             <a:avLst/>
@@ -6255,7 +6236,7 @@
         <p:spPr>
           <a:xfrm>
             <a:off x="428760" y="71640"/>
-            <a:ext cx="10085400" cy="539640"/>
+            <a:ext cx="10085040" cy="539280"/>
           </a:xfrm>
           <a:prstGeom prst="rect">
             <a:avLst/>
@@ -6292,10 +6273,7 @@
               </a:rPr>
               <a:t>Project Plan</a:t>
             </a:r>
-            <a:endParaRPr b="1" lang="en-US" sz="2400" spc="-1" strike="noStrike">
-              <a:solidFill>
-                <a:srgbClr val="ffffff"/>
-              </a:solidFill>
+            <a:endParaRPr b="0" lang="en-US" sz="2400" spc="-1" strike="noStrike">
               <a:latin typeface="Arial"/>
             </a:endParaRPr>
           </a:p>
@@ -6310,7 +6288,7 @@
         <p:spPr>
           <a:xfrm>
             <a:off x="457200" y="2057400"/>
-            <a:ext cx="4340880" cy="343800"/>
+            <a:ext cx="4340520" cy="343440"/>
           </a:xfrm>
           <a:prstGeom prst="rect">
             <a:avLst/>
@@ -6336,7 +6314,7 @@
         <p:spPr>
           <a:xfrm>
             <a:off x="457200" y="1277640"/>
-            <a:ext cx="10513080" cy="3486240"/>
+            <a:ext cx="10512720" cy="3485880"/>
           </a:xfrm>
           <a:prstGeom prst="rect">
             <a:avLst/>
@@ -6480,7 +6458,7 @@
         <p:spPr>
           <a:xfrm>
             <a:off x="428760" y="71640"/>
-            <a:ext cx="10085400" cy="539640"/>
+            <a:ext cx="10085040" cy="539280"/>
           </a:xfrm>
           <a:prstGeom prst="rect">
             <a:avLst/>
@@ -6517,10 +6495,7 @@
               </a:rPr>
               <a:t>Potential Concerns and Blockers</a:t>
             </a:r>
-            <a:endParaRPr b="1" lang="en-US" sz="2400" spc="-1" strike="noStrike">
-              <a:solidFill>
-                <a:srgbClr val="ffffff"/>
-              </a:solidFill>
+            <a:endParaRPr b="0" lang="en-US" sz="2400" spc="-1" strike="noStrike">
               <a:latin typeface="Arial"/>
             </a:endParaRPr>
           </a:p>
@@ -6535,7 +6510,7 @@
         <p:spPr>
           <a:xfrm>
             <a:off x="457200" y="2057400"/>
-            <a:ext cx="4340880" cy="343800"/>
+            <a:ext cx="4340520" cy="343440"/>
           </a:xfrm>
           <a:prstGeom prst="rect">
             <a:avLst/>
@@ -6561,7 +6536,7 @@
         <p:spPr>
           <a:xfrm>
             <a:off x="457200" y="1277640"/>
-            <a:ext cx="10513080" cy="3486240"/>
+            <a:ext cx="10512720" cy="3485880"/>
           </a:xfrm>
           <a:prstGeom prst="rect">
             <a:avLst/>
@@ -6908,7 +6883,7 @@
         <p:spPr>
           <a:xfrm>
             <a:off x="428760" y="71640"/>
-            <a:ext cx="10085400" cy="539640"/>
+            <a:ext cx="10085040" cy="539280"/>
           </a:xfrm>
           <a:prstGeom prst="rect">
             <a:avLst/>
@@ -6945,10 +6920,7 @@
               </a:rPr>
               <a:t>Suggestions on Style</a:t>
             </a:r>
-            <a:endParaRPr b="1" lang="en-US" sz="2400" spc="-1" strike="noStrike">
-              <a:solidFill>
-                <a:srgbClr val="ffffff"/>
-              </a:solidFill>
+            <a:endParaRPr b="0" lang="en-US" sz="2400" spc="-1" strike="noStrike">
               <a:latin typeface="Arial"/>
             </a:endParaRPr>
           </a:p>
@@ -6963,7 +6935,7 @@
         <p:spPr>
           <a:xfrm>
             <a:off x="457200" y="2057400"/>
-            <a:ext cx="4340880" cy="343800"/>
+            <a:ext cx="4340520" cy="343440"/>
           </a:xfrm>
           <a:prstGeom prst="rect">
             <a:avLst/>
@@ -6989,7 +6961,7 @@
         <p:spPr>
           <a:xfrm>
             <a:off x="457200" y="1277640"/>
-            <a:ext cx="10513080" cy="3486240"/>
+            <a:ext cx="10512720" cy="3485880"/>
           </a:xfrm>
           <a:prstGeom prst="rect">
             <a:avLst/>
